--- a/report/progress_definition_regulation.pptx
+++ b/report/progress_definition_regulation.pptx
@@ -14,7 +14,11 @@
     <p:sldId id="262" r:id="rId8"/>
     <p:sldId id="263" r:id="rId9"/>
     <p:sldId id="264" r:id="rId10"/>
-    <p:sldId id="265" r:id="rId11"/>
+    <p:sldId id="267" r:id="rId11"/>
+    <p:sldId id="268" r:id="rId12"/>
+    <p:sldId id="269" r:id="rId13"/>
+    <p:sldId id="266" r:id="rId14"/>
+    <p:sldId id="265" r:id="rId15"/>
   </p:sldIdLst>
   <p:sldSz cx="12192000" cy="6858000"/>
   <p:notesSz cx="6858000" cy="9144000"/>
@@ -113,12 +117,17 @@
       </a:defRPr>
     </a:lvl9pPr>
   </p:defaultTextStyle>
+  <p:extLst>
+    <p:ext uri="{EFAFB233-063F-42B5-8137-9DF3F51BA10A}">
+      <p15:sldGuideLst xmlns:p15="http://schemas.microsoft.com/office/powerpoint/2012/main"/>
+    </p:ext>
+  </p:extLst>
 </p:presentation>
 </file>
 
 <file path=ppt/commentAuthors.xml><?xml version="1.0" encoding="utf-8"?>
 <p:cmAuthorLst xmlns:a="http://schemas.openxmlformats.org/drawingml/2006/main" xmlns:r="http://schemas.openxmlformats.org/officeDocument/2006/relationships" xmlns:p="http://schemas.openxmlformats.org/presentationml/2006/main">
-  <p:cmAuthor id="1" name="Bobby" initials="B" lastIdx="1" clrIdx="0">
+  <p:cmAuthor id="1" name="Bobby" initials="B" lastIdx="2" clrIdx="0">
     <p:extLst>
       <p:ext uri="{19B8F6BF-5375-455C-9EA6-DF929625EA0E}">
         <p15:presenceInfo xmlns:p15="http://schemas.microsoft.com/office/powerpoint/2012/main" userId="Bobby" providerId="None"/>
@@ -153,6 +162,28 @@
 (e) The producer must not use:
 (1) Any fertilizer or composted plant and animal material that contains a synthetic substance not included on the National List of synthetic substances allowed for use in organic crop production;
 (2) Sewage sludge (biosolids) as defined in 40 CFR part 503; and (3) Burning as a means of disposal for crop residues produced on the operation: Except, That, burning may be used to suppress the spread of disease or to stimulate seed germination.</p:text>
+    <p:extLst>
+      <p:ext uri="{C676402C-5697-4E1C-873F-D02D1690AC5C}">
+        <p15:threadingInfo xmlns:p15="http://schemas.microsoft.com/office/powerpoint/2012/main" timeZoneBias="-480"/>
+      </p:ext>
+    </p:extLst>
+  </p:cm>
+</p:cmLst>
+</file>
+
+<file path=ppt/comments/comment2.xml><?xml version="1.0" encoding="utf-8"?>
+<p:cmLst xmlns:a="http://schemas.openxmlformats.org/drawingml/2006/main" xmlns:r="http://schemas.openxmlformats.org/officeDocument/2006/relationships" xmlns:p="http://schemas.openxmlformats.org/presentationml/2006/main">
+  <p:cm authorId="1" dt="2015-04-11T15:23:14.931" idx="2">
+    <p:pos x="10" y="10"/>
+    <p:text>A person seeking to receive or maintain organic certification under the regulations in this part must:
+(a) Comply with the Act and applicable organic production and handling regulations of this part;
+(b) Establish, implement, and update annually an organic production or handling system plan that is submitted to an accredited certifying agent as provided for in §205.200;
+(c) Permit on-site inspections with complete access to the production or handling operation, including noncertified production and handling areas, structures, and offices by the certifying agent as provided for in §205.403;
+(d) Maintain all records applicable to the organic operation for not less than 5 years beyond their creation and allow authorized representatives of the Secretary, the applicable State organic program's governing State official, and the certifying agent access to such records during normal business hours for review and copying to determine compliance with the Act and the regulations in this part, as provided for in §205.103;
+(e) Submit the applicable fees charged by the certifying agent; and
+(f) Immediately notify the certifying agent concerning any:
+(1) Application, including drift, of a prohibited substance to any field, production unit, site, facility, livestock, or product that is part of an operation; and
+(2) Change in a certified operation or any portion of a certified operation that may affect its compliance with the Act and the regulations in this part.</p:text>
     <p:extLst>
       <p:ext uri="{C676402C-5697-4E1C-873F-D02D1690AC5C}">
         <p15:threadingInfo xmlns:p15="http://schemas.microsoft.com/office/powerpoint/2012/main" timeZoneBias="-480"/>
@@ -3115,6 +3146,895 @@
           <a:p>
             <a:r>
               <a:rPr lang="en-US" dirty="0" smtClean="0"/>
+              <a:t>History of Organic Product</a:t>
+            </a:r>
+            <a:endParaRPr lang="en-US" dirty="0"/>
+          </a:p>
+        </p:txBody>
+      </p:sp>
+      <p:graphicFrame>
+        <p:nvGraphicFramePr>
+          <p:cNvPr id="4" name="Content Placeholder 3"/>
+          <p:cNvGraphicFramePr>
+            <a:graphicFrameLocks noGrp="1"/>
+          </p:cNvGraphicFramePr>
+          <p:nvPr>
+            <p:ph idx="1"/>
+            <p:extLst>
+              <p:ext uri="{D42A27DB-BD31-4B8C-83A1-F6EECF244321}">
+                <p14:modId xmlns:p14="http://schemas.microsoft.com/office/powerpoint/2010/main" val="1257578132"/>
+              </p:ext>
+            </p:extLst>
+          </p:nvPr>
+        </p:nvGraphicFramePr>
+        <p:xfrm>
+          <a:off x="838200" y="1825625"/>
+          <a:ext cx="10515600" cy="3302000"/>
+        </p:xfrm>
+        <a:graphic>
+          <a:graphicData uri="http://schemas.openxmlformats.org/drawingml/2006/table">
+            <a:tbl>
+              <a:tblPr firstRow="1" bandRow="1">
+                <a:tableStyleId>{5C22544A-7EE6-4342-B048-85BDC9FD1C3A}</a:tableStyleId>
+              </a:tblPr>
+              <a:tblGrid>
+                <a:gridCol w="2639291"/>
+                <a:gridCol w="7876309"/>
+              </a:tblGrid>
+              <a:tr h="370840">
+                <a:tc>
+                  <a:txBody>
+                    <a:bodyPr/>
+                    <a:lstStyle/>
+                    <a:p>
+                      <a:r>
+                        <a:rPr lang="en-US" dirty="0" smtClean="0"/>
+                        <a:t>Year</a:t>
+                      </a:r>
+                      <a:endParaRPr lang="en-US" dirty="0"/>
+                    </a:p>
+                  </a:txBody>
+                  <a:tcPr/>
+                </a:tc>
+                <a:tc>
+                  <a:txBody>
+                    <a:bodyPr/>
+                    <a:lstStyle/>
+                    <a:p>
+                      <a:endParaRPr lang="en-US" dirty="0"/>
+                    </a:p>
+                  </a:txBody>
+                  <a:tcPr/>
+                </a:tc>
+              </a:tr>
+              <a:tr h="370840">
+                <a:tc>
+                  <a:txBody>
+                    <a:bodyPr/>
+                    <a:lstStyle/>
+                    <a:p>
+                      <a:r>
+                        <a:rPr lang="en-US" b="1" dirty="0" smtClean="0"/>
+                        <a:t>1920s</a:t>
+                      </a:r>
+                      <a:r>
+                        <a:rPr lang="en-US" b="1" baseline="0" dirty="0" smtClean="0"/>
+                        <a:t> – 1940s</a:t>
+                      </a:r>
+                      <a:endParaRPr lang="en-US" b="1" dirty="0"/>
+                    </a:p>
+                  </a:txBody>
+                  <a:tcPr/>
+                </a:tc>
+                <a:tc>
+                  <a:txBody>
+                    <a:bodyPr/>
+                    <a:lstStyle/>
+                    <a:p>
+                      <a:r>
+                        <a:rPr lang="en-US" dirty="0" smtClean="0"/>
+                        <a:t>Writers in the U.S. and Great Britain published influential works introducing the basic idea of organics</a:t>
+                      </a:r>
+                      <a:endParaRPr lang="en-US" dirty="0"/>
+                    </a:p>
+                  </a:txBody>
+                  <a:tcPr/>
+                </a:tc>
+              </a:tr>
+              <a:tr h="370840">
+                <a:tc>
+                  <a:txBody>
+                    <a:bodyPr/>
+                    <a:lstStyle/>
+                    <a:p>
+                      <a:pPr marL="0" marR="0" indent="0" algn="l" defTabSz="914400" rtl="0" eaLnBrk="1" fontAlgn="auto" latinLnBrk="0" hangingPunct="1">
+                        <a:lnSpc>
+                          <a:spcPct val="100000"/>
+                        </a:lnSpc>
+                        <a:spcBef>
+                          <a:spcPts val="0"/>
+                        </a:spcBef>
+                        <a:spcAft>
+                          <a:spcPts val="0"/>
+                        </a:spcAft>
+                        <a:buClrTx/>
+                        <a:buSzTx/>
+                        <a:buFontTx/>
+                        <a:buNone/>
+                        <a:tabLst/>
+                        <a:defRPr/>
+                      </a:pPr>
+                      <a:r>
+                        <a:rPr lang="en-US" b="1" dirty="0" smtClean="0"/>
+                        <a:t>1940's</a:t>
+                      </a:r>
+                    </a:p>
+                  </a:txBody>
+                  <a:tcPr/>
+                </a:tc>
+                <a:tc>
+                  <a:txBody>
+                    <a:bodyPr/>
+                    <a:lstStyle/>
+                    <a:p>
+                      <a:r>
+                        <a:rPr lang="en-US" dirty="0" smtClean="0"/>
+                        <a:t>Synthetic pesticides and herbicides were introduced to American agriculture</a:t>
+                      </a:r>
+                      <a:endParaRPr lang="en-US" dirty="0"/>
+                    </a:p>
+                  </a:txBody>
+                  <a:tcPr/>
+                </a:tc>
+              </a:tr>
+              <a:tr h="370840">
+                <a:tc>
+                  <a:txBody>
+                    <a:bodyPr/>
+                    <a:lstStyle/>
+                    <a:p>
+                      <a:r>
+                        <a:rPr lang="en-US" b="1" dirty="0" smtClean="0"/>
+                        <a:t>1940's to 1950's</a:t>
+                      </a:r>
+                      <a:endParaRPr lang="en-US" b="1" dirty="0"/>
+                    </a:p>
+                  </a:txBody>
+                  <a:tcPr/>
+                </a:tc>
+                <a:tc>
+                  <a:txBody>
+                    <a:bodyPr/>
+                    <a:lstStyle/>
+                    <a:p>
+                      <a:r>
+                        <a:rPr lang="en-US" dirty="0" smtClean="0"/>
+                        <a:t>A loose network of farmers,</a:t>
+                      </a:r>
+                      <a:r>
+                        <a:rPr lang="en-US" baseline="0" dirty="0" smtClean="0"/>
+                        <a:t> </a:t>
+                      </a:r>
+                      <a:r>
+                        <a:rPr lang="en-US" dirty="0" smtClean="0"/>
+                        <a:t>shunned chemical agriculture by farming organically and writing about their experiences.</a:t>
+                      </a:r>
+                      <a:endParaRPr lang="en-US" dirty="0"/>
+                    </a:p>
+                  </a:txBody>
+                  <a:tcPr/>
+                </a:tc>
+              </a:tr>
+              <a:tr h="370840">
+                <a:tc>
+                  <a:txBody>
+                    <a:bodyPr/>
+                    <a:lstStyle/>
+                    <a:p>
+                      <a:pPr marL="0" marR="0" indent="0" algn="l" defTabSz="914400" rtl="0" eaLnBrk="1" fontAlgn="auto" latinLnBrk="0" hangingPunct="1">
+                        <a:lnSpc>
+                          <a:spcPct val="100000"/>
+                        </a:lnSpc>
+                        <a:spcBef>
+                          <a:spcPts val="0"/>
+                        </a:spcBef>
+                        <a:spcAft>
+                          <a:spcPts val="0"/>
+                        </a:spcAft>
+                        <a:buClrTx/>
+                        <a:buSzTx/>
+                        <a:buFontTx/>
+                        <a:buNone/>
+                        <a:tabLst/>
+                        <a:defRPr/>
+                      </a:pPr>
+                      <a:r>
+                        <a:rPr lang="en-US" b="1" dirty="0" smtClean="0"/>
+                        <a:t>1953</a:t>
+                      </a:r>
+                    </a:p>
+                  </a:txBody>
+                  <a:tcPr/>
+                </a:tc>
+                <a:tc>
+                  <a:txBody>
+                    <a:bodyPr/>
+                    <a:lstStyle/>
+                    <a:p>
+                      <a:r>
+                        <a:rPr lang="en-US" dirty="0" smtClean="0"/>
+                        <a:t>Natural Food Associates (NFA) was formed in Atlanta, Texas, to help connect scattered organic growers with fledgling markets for organically grown foods.</a:t>
+                      </a:r>
+                      <a:endParaRPr lang="en-US" dirty="0"/>
+                    </a:p>
+                  </a:txBody>
+                  <a:tcPr/>
+                </a:tc>
+              </a:tr>
+              <a:tr h="370840">
+                <a:tc>
+                  <a:txBody>
+                    <a:bodyPr/>
+                    <a:lstStyle/>
+                    <a:p>
+                      <a:r>
+                        <a:rPr lang="en-US" b="1" dirty="0" smtClean="0"/>
+                        <a:t>1962</a:t>
+                      </a:r>
+                      <a:endParaRPr lang="en-US" b="1" dirty="0"/>
+                    </a:p>
+                  </a:txBody>
+                  <a:tcPr/>
+                </a:tc>
+                <a:tc>
+                  <a:txBody>
+                    <a:bodyPr/>
+                    <a:lstStyle/>
+                    <a:p>
+                      <a:r>
+                        <a:rPr lang="en-US" dirty="0" smtClean="0"/>
+                        <a:t>Rachel Carlson's Silent Spring was published, documenting some of the negative consequences associated with chemical use in agriculture. </a:t>
+                      </a:r>
+                      <a:endParaRPr lang="en-US" dirty="0"/>
+                    </a:p>
+                  </a:txBody>
+                  <a:tcPr/>
+                </a:tc>
+              </a:tr>
+            </a:tbl>
+          </a:graphicData>
+        </a:graphic>
+      </p:graphicFrame>
+    </p:spTree>
+    <p:extLst>
+      <p:ext uri="{BB962C8B-B14F-4D97-AF65-F5344CB8AC3E}">
+        <p14:creationId xmlns:p14="http://schemas.microsoft.com/office/powerpoint/2010/main" val="958983829"/>
+      </p:ext>
+    </p:extLst>
+  </p:cSld>
+  <p:clrMapOvr>
+    <a:masterClrMapping/>
+  </p:clrMapOvr>
+</p:sld>
+</file>
+
+<file path=ppt/slides/slide11.xml><?xml version="1.0" encoding="utf-8"?>
+<p:sld xmlns:a="http://schemas.openxmlformats.org/drawingml/2006/main" xmlns:r="http://schemas.openxmlformats.org/officeDocument/2006/relationships" xmlns:p="http://schemas.openxmlformats.org/presentationml/2006/main">
+  <p:cSld>
+    <p:spTree>
+      <p:nvGrpSpPr>
+        <p:cNvPr id="1" name=""/>
+        <p:cNvGrpSpPr/>
+        <p:nvPr/>
+      </p:nvGrpSpPr>
+      <p:grpSpPr>
+        <a:xfrm>
+          <a:off x="0" y="0"/>
+          <a:ext cx="0" cy="0"/>
+          <a:chOff x="0" y="0"/>
+          <a:chExt cx="0" cy="0"/>
+        </a:xfrm>
+      </p:grpSpPr>
+      <p:sp>
+        <p:nvSpPr>
+          <p:cNvPr id="2" name="Title 1"/>
+          <p:cNvSpPr>
+            <a:spLocks noGrp="1"/>
+          </p:cNvSpPr>
+          <p:nvPr>
+            <p:ph type="title"/>
+          </p:nvPr>
+        </p:nvSpPr>
+        <p:spPr/>
+        <p:txBody>
+          <a:bodyPr/>
+          <a:lstStyle/>
+          <a:p>
+            <a:r>
+              <a:rPr lang="en-US" dirty="0" smtClean="0"/>
+              <a:t>History of Organic Product</a:t>
+            </a:r>
+            <a:endParaRPr lang="en-US" dirty="0"/>
+          </a:p>
+        </p:txBody>
+      </p:sp>
+      <p:graphicFrame>
+        <p:nvGraphicFramePr>
+          <p:cNvPr id="4" name="Content Placeholder 3"/>
+          <p:cNvGraphicFramePr>
+            <a:graphicFrameLocks noGrp="1"/>
+          </p:cNvGraphicFramePr>
+          <p:nvPr>
+            <p:ph idx="1"/>
+            <p:extLst>
+              <p:ext uri="{D42A27DB-BD31-4B8C-83A1-F6EECF244321}">
+                <p14:modId xmlns:p14="http://schemas.microsoft.com/office/powerpoint/2010/main" val="2931583090"/>
+              </p:ext>
+            </p:extLst>
+          </p:nvPr>
+        </p:nvGraphicFramePr>
+        <p:xfrm>
+          <a:off x="838200" y="1825625"/>
+          <a:ext cx="10515600" cy="3388360"/>
+        </p:xfrm>
+        <a:graphic>
+          <a:graphicData uri="http://schemas.openxmlformats.org/drawingml/2006/table">
+            <a:tbl>
+              <a:tblPr firstRow="1" bandRow="1">
+                <a:tableStyleId>{5C22544A-7EE6-4342-B048-85BDC9FD1C3A}</a:tableStyleId>
+              </a:tblPr>
+              <a:tblGrid>
+                <a:gridCol w="2639291"/>
+                <a:gridCol w="7876309"/>
+              </a:tblGrid>
+              <a:tr h="370840">
+                <a:tc>
+                  <a:txBody>
+                    <a:bodyPr/>
+                    <a:lstStyle/>
+                    <a:p>
+                      <a:r>
+                        <a:rPr lang="en-US" dirty="0" smtClean="0"/>
+                        <a:t>Year</a:t>
+                      </a:r>
+                      <a:endParaRPr lang="en-US" dirty="0"/>
+                    </a:p>
+                  </a:txBody>
+                  <a:tcPr/>
+                </a:tc>
+                <a:tc>
+                  <a:txBody>
+                    <a:bodyPr/>
+                    <a:lstStyle/>
+                    <a:p>
+                      <a:endParaRPr lang="en-US" dirty="0"/>
+                    </a:p>
+                  </a:txBody>
+                  <a:tcPr/>
+                </a:tc>
+              </a:tr>
+              <a:tr h="370840">
+                <a:tc>
+                  <a:txBody>
+                    <a:bodyPr/>
+                    <a:lstStyle/>
+                    <a:p>
+                      <a:r>
+                        <a:rPr lang="en-US" b="1" dirty="0" smtClean="0"/>
+                        <a:t>1970s</a:t>
+                      </a:r>
+                      <a:endParaRPr lang="en-US" b="1" dirty="0"/>
+                    </a:p>
+                  </a:txBody>
+                  <a:tcPr/>
+                </a:tc>
+                <a:tc>
+                  <a:txBody>
+                    <a:bodyPr/>
+                    <a:lstStyle/>
+                    <a:p>
+                      <a:r>
+                        <a:rPr lang="en-US" dirty="0" smtClean="0"/>
+                        <a:t>Activists across the U.S. to form regional groups and create organic standards by which to certify farmers and their crops. </a:t>
+                      </a:r>
+                    </a:p>
+                    <a:p>
+                      <a:endParaRPr lang="en-US" dirty="0" smtClean="0"/>
+                    </a:p>
+                    <a:p>
+                      <a:r>
+                        <a:rPr lang="en-US" dirty="0" smtClean="0"/>
+                        <a:t>Some point to the United States' ban of the pesticide DDT in this year as the start of the modern environmental movement. </a:t>
+                      </a:r>
+                      <a:endParaRPr lang="en-US" dirty="0"/>
+                    </a:p>
+                  </a:txBody>
+                  <a:tcPr/>
+                </a:tc>
+              </a:tr>
+              <a:tr h="370840">
+                <a:tc>
+                  <a:txBody>
+                    <a:bodyPr/>
+                    <a:lstStyle/>
+                    <a:p>
+                      <a:r>
+                        <a:rPr lang="en-US" b="1" dirty="0" smtClean="0"/>
+                        <a:t>1980s</a:t>
+                      </a:r>
+                      <a:endParaRPr lang="en-US" b="1" dirty="0"/>
+                    </a:p>
+                  </a:txBody>
+                  <a:tcPr/>
+                </a:tc>
+                <a:tc>
+                  <a:txBody>
+                    <a:bodyPr/>
+                    <a:lstStyle/>
+                    <a:p>
+                      <a:r>
+                        <a:rPr lang="en-US" dirty="0" smtClean="0"/>
+                        <a:t>The National Resources Defense Council (NRDC) released their report on the carcinogenic growth regulator Alar, which was used on apples.</a:t>
+                      </a:r>
+                      <a:endParaRPr lang="en-US" dirty="0"/>
+                    </a:p>
+                  </a:txBody>
+                  <a:tcPr/>
+                </a:tc>
+              </a:tr>
+              <a:tr h="370840">
+                <a:tc>
+                  <a:txBody>
+                    <a:bodyPr/>
+                    <a:lstStyle/>
+                    <a:p>
+                      <a:pPr marL="0" marR="0" indent="0" algn="l" defTabSz="914400" rtl="0" eaLnBrk="1" fontAlgn="auto" latinLnBrk="0" hangingPunct="1">
+                        <a:lnSpc>
+                          <a:spcPct val="100000"/>
+                        </a:lnSpc>
+                        <a:spcBef>
+                          <a:spcPts val="0"/>
+                        </a:spcBef>
+                        <a:spcAft>
+                          <a:spcPts val="0"/>
+                        </a:spcAft>
+                        <a:buClrTx/>
+                        <a:buSzTx/>
+                        <a:buFontTx/>
+                        <a:buNone/>
+                        <a:tabLst/>
+                        <a:defRPr/>
+                      </a:pPr>
+                      <a:r>
+                        <a:rPr lang="en-US" b="1" dirty="0" smtClean="0"/>
+                        <a:t>1990s</a:t>
+                      </a:r>
+                    </a:p>
+                  </a:txBody>
+                  <a:tcPr/>
+                </a:tc>
+                <a:tc>
+                  <a:txBody>
+                    <a:bodyPr/>
+                    <a:lstStyle/>
+                    <a:p>
+                      <a:r>
+                        <a:rPr lang="en-US" dirty="0" smtClean="0"/>
+                        <a:t>The organic industry had estimated sales of more than $1 billion and Congress passed the Organic Foods Production Act of 1990, which established the framework to create National Organic Standards.</a:t>
+                      </a:r>
+                      <a:endParaRPr lang="en-US" dirty="0"/>
+                    </a:p>
+                  </a:txBody>
+                  <a:tcPr/>
+                </a:tc>
+              </a:tr>
+            </a:tbl>
+          </a:graphicData>
+        </a:graphic>
+      </p:graphicFrame>
+    </p:spTree>
+    <p:extLst>
+      <p:ext uri="{BB962C8B-B14F-4D97-AF65-F5344CB8AC3E}">
+        <p14:creationId xmlns:p14="http://schemas.microsoft.com/office/powerpoint/2010/main" val="3396963794"/>
+      </p:ext>
+    </p:extLst>
+  </p:cSld>
+  <p:clrMapOvr>
+    <a:masterClrMapping/>
+  </p:clrMapOvr>
+</p:sld>
+</file>
+
+<file path=ppt/slides/slide12.xml><?xml version="1.0" encoding="utf-8"?>
+<p:sld xmlns:a="http://schemas.openxmlformats.org/drawingml/2006/main" xmlns:r="http://schemas.openxmlformats.org/officeDocument/2006/relationships" xmlns:p="http://schemas.openxmlformats.org/presentationml/2006/main">
+  <p:cSld>
+    <p:spTree>
+      <p:nvGrpSpPr>
+        <p:cNvPr id="1" name=""/>
+        <p:cNvGrpSpPr/>
+        <p:nvPr/>
+      </p:nvGrpSpPr>
+      <p:grpSpPr>
+        <a:xfrm>
+          <a:off x="0" y="0"/>
+          <a:ext cx="0" cy="0"/>
+          <a:chOff x="0" y="0"/>
+          <a:chExt cx="0" cy="0"/>
+        </a:xfrm>
+      </p:grpSpPr>
+      <p:sp>
+        <p:nvSpPr>
+          <p:cNvPr id="2" name="Title 1"/>
+          <p:cNvSpPr>
+            <a:spLocks noGrp="1"/>
+          </p:cNvSpPr>
+          <p:nvPr>
+            <p:ph type="title"/>
+          </p:nvPr>
+        </p:nvSpPr>
+        <p:spPr/>
+        <p:txBody>
+          <a:bodyPr/>
+          <a:lstStyle/>
+          <a:p>
+            <a:r>
+              <a:rPr lang="en-US" dirty="0" smtClean="0"/>
+              <a:t>History of Organic Product</a:t>
+            </a:r>
+            <a:endParaRPr lang="en-US" dirty="0"/>
+          </a:p>
+        </p:txBody>
+      </p:sp>
+      <p:graphicFrame>
+        <p:nvGraphicFramePr>
+          <p:cNvPr id="4" name="Content Placeholder 3"/>
+          <p:cNvGraphicFramePr>
+            <a:graphicFrameLocks noGrp="1"/>
+          </p:cNvGraphicFramePr>
+          <p:nvPr>
+            <p:ph idx="1"/>
+            <p:extLst>
+              <p:ext uri="{D42A27DB-BD31-4B8C-83A1-F6EECF244321}">
+                <p14:modId xmlns:p14="http://schemas.microsoft.com/office/powerpoint/2010/main" val="976856799"/>
+              </p:ext>
+            </p:extLst>
+          </p:nvPr>
+        </p:nvGraphicFramePr>
+        <p:xfrm>
+          <a:off x="838200" y="1825625"/>
+          <a:ext cx="10515600" cy="3662680"/>
+        </p:xfrm>
+        <a:graphic>
+          <a:graphicData uri="http://schemas.openxmlformats.org/drawingml/2006/table">
+            <a:tbl>
+              <a:tblPr firstRow="1" bandRow="1">
+                <a:tableStyleId>{5C22544A-7EE6-4342-B048-85BDC9FD1C3A}</a:tableStyleId>
+              </a:tblPr>
+              <a:tblGrid>
+                <a:gridCol w="2639291"/>
+                <a:gridCol w="7876309"/>
+              </a:tblGrid>
+              <a:tr h="370840">
+                <a:tc>
+                  <a:txBody>
+                    <a:bodyPr/>
+                    <a:lstStyle/>
+                    <a:p>
+                      <a:r>
+                        <a:rPr lang="en-US" dirty="0" smtClean="0"/>
+                        <a:t>Year</a:t>
+                      </a:r>
+                      <a:endParaRPr lang="en-US" dirty="0"/>
+                    </a:p>
+                  </a:txBody>
+                  <a:tcPr/>
+                </a:tc>
+                <a:tc>
+                  <a:txBody>
+                    <a:bodyPr/>
+                    <a:lstStyle/>
+                    <a:p>
+                      <a:endParaRPr lang="en-US" dirty="0"/>
+                    </a:p>
+                  </a:txBody>
+                  <a:tcPr/>
+                </a:tc>
+              </a:tr>
+              <a:tr h="370840">
+                <a:tc>
+                  <a:txBody>
+                    <a:bodyPr/>
+                    <a:lstStyle/>
+                    <a:p>
+                      <a:r>
+                        <a:rPr lang="en-US" b="1" dirty="0" smtClean="0"/>
+                        <a:t>1995</a:t>
+                      </a:r>
+                      <a:endParaRPr lang="en-US" b="1" dirty="0"/>
+                    </a:p>
+                  </a:txBody>
+                  <a:tcPr/>
+                </a:tc>
+                <a:tc>
+                  <a:txBody>
+                    <a:bodyPr/>
+                    <a:lstStyle/>
+                    <a:p>
+                      <a:r>
+                        <a:rPr lang="en-US" dirty="0" smtClean="0"/>
+                        <a:t>Margaret Wittenberg, Vice President of Government and Public Affairs for Whole Foods Market, appointed as the sole retail representative on the 14-member National Organic Standards Board (NOSB).</a:t>
+                      </a:r>
+                      <a:endParaRPr lang="en-US" dirty="0"/>
+                    </a:p>
+                  </a:txBody>
+                  <a:tcPr/>
+                </a:tc>
+              </a:tr>
+              <a:tr h="370840">
+                <a:tc>
+                  <a:txBody>
+                    <a:bodyPr/>
+                    <a:lstStyle/>
+                    <a:p>
+                      <a:r>
+                        <a:rPr lang="en-US" b="1" dirty="0" smtClean="0"/>
+                        <a:t>2000</a:t>
+                      </a:r>
+                      <a:endParaRPr lang="en-US" b="1" dirty="0"/>
+                    </a:p>
+                  </a:txBody>
+                  <a:tcPr/>
+                </a:tc>
+                <a:tc>
+                  <a:txBody>
+                    <a:bodyPr/>
+                    <a:lstStyle/>
+                    <a:p>
+                      <a:r>
+                        <a:rPr lang="en-US" dirty="0" smtClean="0"/>
+                        <a:t>Organic industry members and consumers,</a:t>
+                      </a:r>
+                      <a:r>
+                        <a:rPr lang="en-US" baseline="0" dirty="0" smtClean="0"/>
+                        <a:t> </a:t>
+                      </a:r>
+                      <a:r>
+                        <a:rPr lang="en-US" dirty="0" smtClean="0"/>
+                        <a:t>sent over 275,000 comments to the USDA on their proposed National Organic Standards, which included provisions not recommended by the NOSB.</a:t>
+                      </a:r>
+                    </a:p>
+                    <a:p>
+                      <a:endParaRPr lang="en-US" dirty="0" smtClean="0"/>
+                    </a:p>
+                    <a:p>
+                      <a:r>
+                        <a:rPr lang="en-US" dirty="0" smtClean="0"/>
+                        <a:t>The USDA's Economic Research Service released a major study on the status of organics in the U.S.</a:t>
+                      </a:r>
+                      <a:endParaRPr lang="en-US" dirty="0"/>
+                    </a:p>
+                  </a:txBody>
+                  <a:tcPr/>
+                </a:tc>
+              </a:tr>
+              <a:tr h="370840">
+                <a:tc>
+                  <a:txBody>
+                    <a:bodyPr/>
+                    <a:lstStyle/>
+                    <a:p>
+                      <a:r>
+                        <a:rPr lang="en-US" b="1" dirty="0" smtClean="0"/>
+                        <a:t>2001</a:t>
+                      </a:r>
+                      <a:endParaRPr lang="en-US" b="1" dirty="0"/>
+                    </a:p>
+                  </a:txBody>
+                  <a:tcPr/>
+                </a:tc>
+                <a:tc>
+                  <a:txBody>
+                    <a:bodyPr/>
+                    <a:lstStyle/>
+                    <a:p>
+                      <a:r>
+                        <a:rPr lang="en-US" dirty="0" smtClean="0"/>
+                        <a:t>USDA passes the Final Organic Rule after reinstating prohibitions on irradiation, sewage sludge and genetically engineered seed.</a:t>
+                      </a:r>
+                    </a:p>
+                  </a:txBody>
+                  <a:tcPr/>
+                </a:tc>
+              </a:tr>
+            </a:tbl>
+          </a:graphicData>
+        </a:graphic>
+      </p:graphicFrame>
+    </p:spTree>
+    <p:extLst>
+      <p:ext uri="{BB962C8B-B14F-4D97-AF65-F5344CB8AC3E}">
+        <p14:creationId xmlns:p14="http://schemas.microsoft.com/office/powerpoint/2010/main" val="4141399099"/>
+      </p:ext>
+    </p:extLst>
+  </p:cSld>
+  <p:clrMapOvr>
+    <a:masterClrMapping/>
+  </p:clrMapOvr>
+</p:sld>
+</file>
+
+<file path=ppt/slides/slide13.xml><?xml version="1.0" encoding="utf-8"?>
+<p:sld xmlns:a="http://schemas.openxmlformats.org/drawingml/2006/main" xmlns:r="http://schemas.openxmlformats.org/officeDocument/2006/relationships" xmlns:p="http://schemas.openxmlformats.org/presentationml/2006/main">
+  <p:cSld>
+    <p:spTree>
+      <p:nvGrpSpPr>
+        <p:cNvPr id="1" name=""/>
+        <p:cNvGrpSpPr/>
+        <p:nvPr/>
+      </p:nvGrpSpPr>
+      <p:grpSpPr>
+        <a:xfrm>
+          <a:off x="0" y="0"/>
+          <a:ext cx="0" cy="0"/>
+          <a:chOff x="0" y="0"/>
+          <a:chExt cx="0" cy="0"/>
+        </a:xfrm>
+      </p:grpSpPr>
+      <p:sp>
+        <p:nvSpPr>
+          <p:cNvPr id="2" name="Title 1"/>
+          <p:cNvSpPr>
+            <a:spLocks noGrp="1"/>
+          </p:cNvSpPr>
+          <p:nvPr>
+            <p:ph type="title"/>
+          </p:nvPr>
+        </p:nvSpPr>
+        <p:spPr/>
+        <p:txBody>
+          <a:bodyPr/>
+          <a:lstStyle/>
+          <a:p>
+            <a:r>
+              <a:rPr lang="en-US" dirty="0" smtClean="0"/>
+              <a:t>Whole grain growth market</a:t>
+            </a:r>
+            <a:endParaRPr lang="en-US" dirty="0"/>
+          </a:p>
+        </p:txBody>
+      </p:sp>
+      <p:pic>
+        <p:nvPicPr>
+          <p:cNvPr id="4" name="Content Placeholder 3"/>
+          <p:cNvPicPr>
+            <a:picLocks noGrp="1"/>
+          </p:cNvPicPr>
+          <p:nvPr>
+            <p:ph idx="1"/>
+          </p:nvPr>
+        </p:nvPicPr>
+        <p:blipFill>
+          <a:blip r:embed="rId2">
+            <a:extLst>
+              <a:ext uri="{28A0092B-C50C-407E-A947-70E740481C1C}">
+                <a14:useLocalDpi xmlns:a14="http://schemas.microsoft.com/office/drawing/2010/main" val="0"/>
+              </a:ext>
+            </a:extLst>
+          </a:blip>
+          <a:srcRect/>
+          <a:stretch>
+            <a:fillRect/>
+          </a:stretch>
+        </p:blipFill>
+        <p:spPr bwMode="auto">
+          <a:xfrm>
+            <a:off x="980012" y="1596981"/>
+            <a:ext cx="7017768" cy="4568292"/>
+          </a:xfrm>
+          <a:prstGeom prst="rect">
+            <a:avLst/>
+          </a:prstGeom>
+          <a:noFill/>
+          <a:ln>
+            <a:noFill/>
+          </a:ln>
+        </p:spPr>
+      </p:pic>
+      <p:sp>
+        <p:nvSpPr>
+          <p:cNvPr id="5" name="Rectangle 4"/>
+          <p:cNvSpPr/>
+          <p:nvPr/>
+        </p:nvSpPr>
+        <p:spPr>
+          <a:xfrm>
+            <a:off x="6410146" y="6165272"/>
+            <a:ext cx="4512774" cy="369332"/>
+          </a:xfrm>
+          <a:prstGeom prst="rect">
+            <a:avLst/>
+          </a:prstGeom>
+        </p:spPr>
+        <p:txBody>
+          <a:bodyPr wrap="none">
+            <a:spAutoFit/>
+          </a:bodyPr>
+          <a:lstStyle/>
+          <a:p>
+            <a:r>
+              <a:rPr lang="en-US" u="sng" dirty="0" smtClean="0">
+                <a:latin typeface="Times New Roman" panose="02020603050405020304" pitchFamily="18" charset="0"/>
+                <a:ea typeface="SimSun" panose="02010600030101010101" pitchFamily="2" charset="-122"/>
+                <a:hlinkClick r:id="rId3"/>
+              </a:rPr>
+              <a:t>Source: Mintel </a:t>
+            </a:r>
+            <a:r>
+              <a:rPr lang="en-US" u="sng" dirty="0">
+                <a:latin typeface="Times New Roman" panose="02020603050405020304" pitchFamily="18" charset="0"/>
+                <a:ea typeface="SimSun" panose="02010600030101010101" pitchFamily="2" charset="-122"/>
+                <a:hlinkClick r:id="rId3"/>
+              </a:rPr>
+              <a:t>Global New Products Database</a:t>
+            </a:r>
+            <a:endParaRPr lang="en-US" dirty="0"/>
+          </a:p>
+        </p:txBody>
+      </p:sp>
+    </p:spTree>
+    <p:extLst>
+      <p:ext uri="{BB962C8B-B14F-4D97-AF65-F5344CB8AC3E}">
+        <p14:creationId xmlns:p14="http://schemas.microsoft.com/office/powerpoint/2010/main" val="3201864309"/>
+      </p:ext>
+    </p:extLst>
+  </p:cSld>
+  <p:clrMapOvr>
+    <a:masterClrMapping/>
+  </p:clrMapOvr>
+  <p:timing>
+    <p:tnLst>
+      <p:par>
+        <p:cTn id="1" dur="indefinite" restart="never" nodeType="tmRoot"/>
+      </p:par>
+    </p:tnLst>
+  </p:timing>
+</p:sld>
+</file>
+
+<file path=ppt/slides/slide14.xml><?xml version="1.0" encoding="utf-8"?>
+<p:sld xmlns:a="http://schemas.openxmlformats.org/drawingml/2006/main" xmlns:r="http://schemas.openxmlformats.org/officeDocument/2006/relationships" xmlns:p="http://schemas.openxmlformats.org/presentationml/2006/main">
+  <p:cSld>
+    <p:spTree>
+      <p:nvGrpSpPr>
+        <p:cNvPr id="1" name=""/>
+        <p:cNvGrpSpPr/>
+        <p:nvPr/>
+      </p:nvGrpSpPr>
+      <p:grpSpPr>
+        <a:xfrm>
+          <a:off x="0" y="0"/>
+          <a:ext cx="0" cy="0"/>
+          <a:chOff x="0" y="0"/>
+          <a:chExt cx="0" cy="0"/>
+        </a:xfrm>
+      </p:grpSpPr>
+      <p:sp>
+        <p:nvSpPr>
+          <p:cNvPr id="2" name="Title 1"/>
+          <p:cNvSpPr>
+            <a:spLocks noGrp="1"/>
+          </p:cNvSpPr>
+          <p:nvPr>
+            <p:ph type="title"/>
+          </p:nvPr>
+        </p:nvSpPr>
+        <p:spPr/>
+        <p:txBody>
+          <a:bodyPr/>
+          <a:lstStyle/>
+          <a:p>
+            <a:r>
+              <a:rPr lang="en-US" dirty="0" smtClean="0"/>
               <a:t>Discussion</a:t>
             </a:r>
             <a:endParaRPr lang="en-US" dirty="0"/>
@@ -3154,7 +4074,6 @@
               <a:rPr lang="en-US" sz="2800" dirty="0" smtClean="0"/>
               <a:t>Organic Product Related to Energy</a:t>
             </a:r>
-            <a:endParaRPr lang="en-US" sz="2800" dirty="0" smtClean="0"/>
           </a:p>
           <a:p>
             <a:pPr lvl="1">
@@ -3903,11 +4822,7 @@
           <a:p>
             <a:r>
               <a:rPr lang="en-US" dirty="0" smtClean="0"/>
-              <a:t>Regulation </a:t>
-            </a:r>
-            <a:r>
-              <a:rPr lang="en-US" dirty="0" smtClean="0"/>
-              <a:t>(http://www.ecfr.gov)</a:t>
+              <a:t>Regulation (http://www.ecfr.gov)</a:t>
             </a:r>
             <a:endParaRPr lang="en-US" dirty="0"/>
           </a:p>
@@ -4220,7 +5135,6 @@
               <a:rPr lang="en-US" sz="2800" dirty="0" smtClean="0"/>
               <a:t>Certification and Accreditation of Certifying Agent</a:t>
             </a:r>
-            <a:endParaRPr lang="en-US" sz="2800" dirty="0" smtClean="0"/>
           </a:p>
           <a:p>
             <a:pPr lvl="1">

--- a/report/progress_definition_regulation.pptx
+++ b/report/progress_definition_regulation.pptx
@@ -4111,8 +4111,13 @@
             </a:pPr>
             <a:r>
               <a:rPr lang="en-US" dirty="0" smtClean="0"/>
-              <a:t>Organic Product</a:t>
-            </a:r>
+              <a:t>Organic </a:t>
+            </a:r>
+            <a:r>
+              <a:rPr lang="en-US" dirty="0" smtClean="0"/>
+              <a:t>Product </a:t>
+            </a:r>
+            <a:endParaRPr lang="en-US" dirty="0" smtClean="0"/>
           </a:p>
           <a:p>
             <a:pPr marL="228600" lvl="1">
@@ -4139,7 +4144,11 @@
             </a:pPr>
             <a:r>
               <a:rPr lang="en-US" dirty="0" smtClean="0"/>
-              <a:t>Organic product</a:t>
+              <a:t>Organic </a:t>
+            </a:r>
+            <a:r>
+              <a:rPr lang="en-US" dirty="0" smtClean="0"/>
+              <a:t>product need to control the humidity  while shipped</a:t>
             </a:r>
             <a:endParaRPr lang="en-US" dirty="0"/>
           </a:p>
